--- a/基于大数据的智慧网络运维平台2.0.pptx
+++ b/基于大数据的智慧网络运维平台2.0.pptx
@@ -5,10 +5,11 @@
     <p:sldMasterId id="2147483648" r:id="rId1"/>
   </p:sldMasterIdLst>
   <p:notesMasterIdLst>
-    <p:notesMasterId r:id="rId3"/>
+    <p:notesMasterId r:id="rId4"/>
   </p:notesMasterIdLst>
   <p:sldIdLst>
     <p:sldId id="256" r:id="rId2"/>
+    <p:sldId id="257" r:id="rId3"/>
   </p:sldIdLst>
   <p:sldSz cx="12192000" cy="6858000"/>
   <p:notesSz cx="6858000" cy="9144000"/>
@@ -107,6 +108,11 @@
       </a:defRPr>
     </a:lvl9pPr>
   </p:defaultTextStyle>
+  <p:extLst>
+    <p:ext uri="{EFAFB233-063F-42B5-8137-9DF3F51BA10A}">
+      <p15:sldGuideLst xmlns:p15="http://schemas.microsoft.com/office/powerpoint/2012/main"/>
+    </p:ext>
+  </p:extLst>
 </p:presentation>
 </file>
 
@@ -544,6 +550,117 @@
 </p:notes>
 </file>
 
+<file path=ppt/notesSlides/notesSlide2.xml><?xml version="1.0" encoding="utf-8"?>
+<p:notes xmlns:a="http://schemas.openxmlformats.org/drawingml/2006/main" xmlns:r="http://schemas.openxmlformats.org/officeDocument/2006/relationships" xmlns:p="http://schemas.openxmlformats.org/presentationml/2006/main">
+  <p:cSld>
+    <p:spTree>
+      <p:nvGrpSpPr>
+        <p:cNvPr id="1" name=""/>
+        <p:cNvGrpSpPr/>
+        <p:nvPr/>
+      </p:nvGrpSpPr>
+      <p:grpSpPr>
+        <a:xfrm>
+          <a:off x="0" y="0"/>
+          <a:ext cx="0" cy="0"/>
+          <a:chOff x="0" y="0"/>
+          <a:chExt cx="0" cy="0"/>
+        </a:xfrm>
+      </p:grpSpPr>
+      <p:sp>
+        <p:nvSpPr>
+          <p:cNvPr id="2" name="幻灯片图像占位符 1"/>
+          <p:cNvSpPr>
+            <a:spLocks noGrp="1" noRot="1" noChangeAspect="1"/>
+          </p:cNvSpPr>
+          <p:nvPr>
+            <p:ph type="sldImg"/>
+          </p:nvPr>
+        </p:nvSpPr>
+        <p:spPr/>
+      </p:sp>
+      <p:sp>
+        <p:nvSpPr>
+          <p:cNvPr id="3" name="备注占位符 2"/>
+          <p:cNvSpPr>
+            <a:spLocks noGrp="1"/>
+          </p:cNvSpPr>
+          <p:nvPr>
+            <p:ph type="body" idx="1"/>
+          </p:nvPr>
+        </p:nvSpPr>
+        <p:spPr/>
+        <p:txBody>
+          <a:bodyPr/>
+          <a:lstStyle/>
+          <a:p>
+            <a:r>
+              <a:rPr lang="zh-CN" altLang="en-US" dirty="0" smtClean="0"/>
+              <a:t>上次会议提出了构建珠海智慧运营平台</a:t>
+            </a:r>
+            <a:r>
+              <a:rPr lang="en-US" altLang="zh-CN" dirty="0" smtClean="0"/>
+              <a:t>-</a:t>
+            </a:r>
+            <a:r>
+              <a:rPr lang="zh-CN" altLang="en-US" dirty="0" smtClean="0"/>
+              <a:t>“网络大脑“的提议，并就大脑的三部分功能模块“感知决策控制”展开了深入讨论</a:t>
+            </a:r>
+            <a:endParaRPr lang="en-US" altLang="zh-CN" dirty="0" smtClean="0"/>
+          </a:p>
+          <a:p>
+            <a:r>
+              <a:rPr lang="zh-CN" altLang="en-US" dirty="0" smtClean="0"/>
+              <a:t>本次</a:t>
+            </a:r>
+            <a:r>
+              <a:rPr lang="en-US" altLang="zh-CN" dirty="0" err="1" smtClean="0"/>
+              <a:t>ppt</a:t>
+            </a:r>
+            <a:r>
+              <a:rPr lang="zh-CN" altLang="en-US" dirty="0" smtClean="0"/>
+              <a:t>就在于将“智慧运营”这一概念进行具体化</a:t>
+            </a:r>
+            <a:endParaRPr lang="zh-CN" altLang="en-US" dirty="0"/>
+          </a:p>
+        </p:txBody>
+      </p:sp>
+      <p:sp>
+        <p:nvSpPr>
+          <p:cNvPr id="4" name="灯片编号占位符 3"/>
+          <p:cNvSpPr>
+            <a:spLocks noGrp="1"/>
+          </p:cNvSpPr>
+          <p:nvPr>
+            <p:ph type="sldNum" sz="quarter" idx="10"/>
+          </p:nvPr>
+        </p:nvSpPr>
+        <p:spPr/>
+        <p:txBody>
+          <a:bodyPr/>
+          <a:lstStyle/>
+          <a:p>
+            <a:fld id="{EBAB2AAF-1555-4972-80AC-B14A04437104}" type="slidenum">
+              <a:rPr lang="zh-CN" altLang="en-US" smtClean="0"/>
+              <a:t>2</a:t>
+            </a:fld>
+            <a:endParaRPr lang="zh-CN" altLang="en-US"/>
+          </a:p>
+        </p:txBody>
+      </p:sp>
+    </p:spTree>
+    <p:extLst>
+      <p:ext uri="{BB962C8B-B14F-4D97-AF65-F5344CB8AC3E}">
+        <p14:creationId xmlns:p14="http://schemas.microsoft.com/office/powerpoint/2010/main" val="1372335164"/>
+      </p:ext>
+    </p:extLst>
+  </p:cSld>
+  <p:clrMapOvr>
+    <a:masterClrMapping/>
+  </p:clrMapOvr>
+</p:notes>
+</file>
+
 <file path=ppt/slideLayouts/slideLayout1.xml><?xml version="1.0" encoding="utf-8"?>
 <p:sldLayout xmlns:a="http://schemas.openxmlformats.org/drawingml/2006/main" xmlns:r="http://schemas.openxmlformats.org/officeDocument/2006/relationships" xmlns:p="http://schemas.openxmlformats.org/presentationml/2006/main" type="title" preserve="1">
   <p:cSld name="标题幻灯片">
@@ -1083,6 +1200,166 @@
   <p:clrMapOvr>
     <a:masterClrMapping/>
   </p:clrMapOvr>
+</p:sldLayout>
+</file>
+
+<file path=ppt/slideLayouts/slideLayout12.xml><?xml version="1.0" encoding="utf-8"?>
+<p:sldLayout xmlns:a="http://schemas.openxmlformats.org/drawingml/2006/main" xmlns:r="http://schemas.openxmlformats.org/officeDocument/2006/relationships" xmlns:p="http://schemas.openxmlformats.org/presentationml/2006/main" userDrawn="1">
+  <p:cSld name="1_标题和内容">
+    <p:spTree>
+      <p:nvGrpSpPr>
+        <p:cNvPr id="1" name=""/>
+        <p:cNvGrpSpPr/>
+        <p:nvPr/>
+      </p:nvGrpSpPr>
+      <p:grpSpPr>
+        <a:xfrm>
+          <a:off x="0" y="0"/>
+          <a:ext cx="0" cy="0"/>
+          <a:chOff x="0" y="0"/>
+          <a:chExt cx="0" cy="0"/>
+        </a:xfrm>
+      </p:grpSpPr>
+      <p:sp>
+        <p:nvSpPr>
+          <p:cNvPr id="2" name="标题 1"/>
+          <p:cNvSpPr>
+            <a:spLocks noGrp="1"/>
+          </p:cNvSpPr>
+          <p:nvPr>
+            <p:ph type="title" hasCustomPrompt="1"/>
+          </p:nvPr>
+        </p:nvSpPr>
+        <p:spPr>
+          <a:xfrm>
+            <a:off x="843749" y="543840"/>
+            <a:ext cx="3808933" cy="825045"/>
+          </a:xfrm>
+          <a:prstGeom prst="rect">
+            <a:avLst/>
+          </a:prstGeom>
+        </p:spPr>
+        <p:txBody>
+          <a:bodyPr>
+            <a:normAutofit/>
+          </a:bodyPr>
+          <a:lstStyle>
+            <a:lvl1pPr>
+              <a:defRPr sz="3200" b="1"/>
+            </a:lvl1pPr>
+          </a:lstStyle>
+          <a:p>
+            <a:r>
+              <a:rPr lang="zh-CN" altLang="en-US" dirty="0" smtClean="0"/>
+              <a:t>单击此处添加标题</a:t>
+            </a:r>
+            <a:endParaRPr lang="zh-CN" altLang="en-US" dirty="0"/>
+          </a:p>
+        </p:txBody>
+      </p:sp>
+      <p:sp>
+        <p:nvSpPr>
+          <p:cNvPr id="7" name="矩形 6"/>
+          <p:cNvSpPr/>
+          <p:nvPr userDrawn="1"/>
+        </p:nvSpPr>
+        <p:spPr>
+          <a:xfrm>
+            <a:off x="0" y="0"/>
+            <a:ext cx="624114" cy="1190171"/>
+          </a:xfrm>
+          <a:prstGeom prst="rect">
+            <a:avLst/>
+          </a:prstGeom>
+          <a:solidFill>
+            <a:schemeClr val="tx2">
+              <a:lumMod val="75000"/>
+            </a:schemeClr>
+          </a:solidFill>
+          <a:ln>
+            <a:noFill/>
+          </a:ln>
+        </p:spPr>
+        <p:style>
+          <a:lnRef idx="2">
+            <a:schemeClr val="accent1">
+              <a:shade val="50000"/>
+            </a:schemeClr>
+          </a:lnRef>
+          <a:fillRef idx="1">
+            <a:schemeClr val="accent1"/>
+          </a:fillRef>
+          <a:effectRef idx="0">
+            <a:schemeClr val="accent1"/>
+          </a:effectRef>
+          <a:fontRef idx="minor">
+            <a:schemeClr val="lt1"/>
+          </a:fontRef>
+        </p:style>
+        <p:txBody>
+          <a:bodyPr rtlCol="0" anchor="ctr"/>
+          <a:lstStyle/>
+          <a:p>
+            <a:pPr algn="ctr"/>
+            <a:endParaRPr lang="zh-CN" altLang="en-US"/>
+          </a:p>
+        </p:txBody>
+      </p:sp>
+      <p:cxnSp>
+        <p:nvCxnSpPr>
+          <p:cNvPr id="9" name="直接连接符 8"/>
+          <p:cNvCxnSpPr/>
+          <p:nvPr userDrawn="1"/>
+        </p:nvCxnSpPr>
+        <p:spPr>
+          <a:xfrm>
+            <a:off x="624114" y="543840"/>
+            <a:ext cx="3581400" cy="0"/>
+          </a:xfrm>
+          <a:prstGeom prst="line">
+            <a:avLst/>
+          </a:prstGeom>
+          <a:ln w="38100">
+            <a:solidFill>
+              <a:schemeClr val="tx1">
+                <a:lumMod val="75000"/>
+                <a:lumOff val="25000"/>
+              </a:schemeClr>
+            </a:solidFill>
+          </a:ln>
+        </p:spPr>
+        <p:style>
+          <a:lnRef idx="1">
+            <a:schemeClr val="accent1"/>
+          </a:lnRef>
+          <a:fillRef idx="0">
+            <a:schemeClr val="accent1"/>
+          </a:fillRef>
+          <a:effectRef idx="0">
+            <a:schemeClr val="accent1"/>
+          </a:effectRef>
+          <a:fontRef idx="minor">
+            <a:schemeClr val="tx1"/>
+          </a:fontRef>
+        </p:style>
+      </p:cxnSp>
+    </p:spTree>
+    <p:extLst>
+      <p:ext uri="{BB962C8B-B14F-4D97-AF65-F5344CB8AC3E}">
+        <p14:creationId xmlns:p14="http://schemas.microsoft.com/office/powerpoint/2010/main" val="2919570538"/>
+      </p:ext>
+    </p:extLst>
+  </p:cSld>
+  <p:clrMapOvr>
+    <a:masterClrMapping/>
+  </p:clrMapOvr>
+  <p:timing>
+    <p:tnLst>
+      <p:par>
+        <p:cTn id="1" dur="indefinite" restart="never" nodeType="tmRoot"/>
+      </p:par>
+    </p:tnLst>
+  </p:timing>
 </p:sldLayout>
 </file>
 
@@ -3100,6 +3377,7 @@
     <p:sldLayoutId id="2147483657" r:id="rId9"/>
     <p:sldLayoutId id="2147483658" r:id="rId10"/>
     <p:sldLayoutId id="2147483659" r:id="rId11"/>
+    <p:sldLayoutId id="2147483660" r:id="rId12"/>
   </p:sldLayoutIdLst>
   <p:txStyles>
     <p:titleStyle>
@@ -3416,7 +3694,7 @@
           <a:bodyPr/>
           <a:lstStyle/>
           <a:p>
-            <a:endParaRPr lang="zh-CN" altLang="en-US"/>
+            <a:endParaRPr lang="zh-CN" altLang="en-US" dirty="0"/>
           </a:p>
         </p:txBody>
       </p:sp>
@@ -3435,7 +3713,7 @@
           <a:bodyPr/>
           <a:lstStyle/>
           <a:p>
-            <a:endParaRPr lang="zh-CN" altLang="en-US"/>
+            <a:endParaRPr lang="zh-CN" altLang="en-US" dirty="0"/>
           </a:p>
         </p:txBody>
       </p:sp>
@@ -3449,6 +3727,223 @@
   <p:clrMapOvr>
     <a:masterClrMapping/>
   </p:clrMapOvr>
+</p:sld>
+</file>
+
+<file path=ppt/slides/slide2.xml><?xml version="1.0" encoding="utf-8"?>
+<p:sld xmlns:a="http://schemas.openxmlformats.org/drawingml/2006/main" xmlns:r="http://schemas.openxmlformats.org/officeDocument/2006/relationships" xmlns:p="http://schemas.openxmlformats.org/presentationml/2006/main">
+  <p:cSld>
+    <p:spTree>
+      <p:nvGrpSpPr>
+        <p:cNvPr id="1" name=""/>
+        <p:cNvGrpSpPr/>
+        <p:nvPr/>
+      </p:nvGrpSpPr>
+      <p:grpSpPr>
+        <a:xfrm>
+          <a:off x="0" y="0"/>
+          <a:ext cx="0" cy="0"/>
+          <a:chOff x="0" y="0"/>
+          <a:chExt cx="0" cy="0"/>
+        </a:xfrm>
+      </p:grpSpPr>
+      <p:sp>
+        <p:nvSpPr>
+          <p:cNvPr id="4" name="矩形 3"/>
+          <p:cNvSpPr/>
+          <p:nvPr/>
+        </p:nvSpPr>
+        <p:spPr>
+          <a:xfrm>
+            <a:off x="0" y="0"/>
+            <a:ext cx="624114" cy="1190171"/>
+          </a:xfrm>
+          <a:prstGeom prst="rect">
+            <a:avLst/>
+          </a:prstGeom>
+          <a:solidFill>
+            <a:schemeClr val="tx2">
+              <a:lumMod val="75000"/>
+            </a:schemeClr>
+          </a:solidFill>
+          <a:ln>
+            <a:noFill/>
+          </a:ln>
+        </p:spPr>
+        <p:style>
+          <a:lnRef idx="2">
+            <a:schemeClr val="accent1">
+              <a:shade val="50000"/>
+            </a:schemeClr>
+          </a:lnRef>
+          <a:fillRef idx="1">
+            <a:schemeClr val="accent1"/>
+          </a:fillRef>
+          <a:effectRef idx="0">
+            <a:schemeClr val="accent1"/>
+          </a:effectRef>
+          <a:fontRef idx="minor">
+            <a:schemeClr val="lt1"/>
+          </a:fontRef>
+        </p:style>
+        <p:txBody>
+          <a:bodyPr rtlCol="0" anchor="ctr"/>
+          <a:lstStyle/>
+          <a:p>
+            <a:pPr algn="ctr"/>
+            <a:endParaRPr lang="zh-CN" altLang="en-US"/>
+          </a:p>
+        </p:txBody>
+      </p:sp>
+      <p:sp>
+        <p:nvSpPr>
+          <p:cNvPr id="5" name="文本框 4"/>
+          <p:cNvSpPr txBox="1"/>
+          <p:nvPr/>
+        </p:nvSpPr>
+        <p:spPr>
+          <a:xfrm>
+            <a:off x="1419037" y="1332680"/>
+            <a:ext cx="3157311" cy="276999"/>
+          </a:xfrm>
+          <a:prstGeom prst="rect">
+            <a:avLst/>
+          </a:prstGeom>
+          <a:noFill/>
+        </p:spPr>
+        <p:txBody>
+          <a:bodyPr wrap="square" rtlCol="0">
+            <a:spAutoFit/>
+          </a:bodyPr>
+          <a:lstStyle/>
+          <a:p>
+            <a:r>
+              <a:rPr lang="en-US" altLang="zh-CN" sz="1200" dirty="0" err="1" smtClean="0">
+                <a:latin typeface="微软雅黑" panose="020B0503020204020204" pitchFamily="34" charset="-122"/>
+                <a:ea typeface="微软雅黑" panose="020B0503020204020204" pitchFamily="34" charset="-122"/>
+              </a:rPr>
+              <a:t>AIOps</a:t>
+            </a:r>
+            <a:r>
+              <a:rPr lang="en-US" altLang="zh-CN" sz="1200" dirty="0" smtClean="0">
+                <a:latin typeface="微软雅黑" panose="020B0503020204020204" pitchFamily="34" charset="-122"/>
+                <a:ea typeface="微软雅黑" panose="020B0503020204020204" pitchFamily="34" charset="-122"/>
+              </a:rPr>
+              <a:t> </a:t>
+            </a:r>
+            <a:endParaRPr lang="zh-CN" altLang="en-US" sz="1200" dirty="0">
+              <a:latin typeface="微软雅黑" panose="020B0503020204020204" pitchFamily="34" charset="-122"/>
+              <a:ea typeface="微软雅黑" panose="020B0503020204020204" pitchFamily="34" charset="-122"/>
+            </a:endParaRPr>
+          </a:p>
+        </p:txBody>
+      </p:sp>
+      <p:cxnSp>
+        <p:nvCxnSpPr>
+          <p:cNvPr id="6" name="直接连接符 5"/>
+          <p:cNvCxnSpPr/>
+          <p:nvPr/>
+        </p:nvCxnSpPr>
+        <p:spPr>
+          <a:xfrm>
+            <a:off x="624114" y="543840"/>
+            <a:ext cx="3581400" cy="0"/>
+          </a:xfrm>
+          <a:prstGeom prst="line">
+            <a:avLst/>
+          </a:prstGeom>
+          <a:ln w="38100">
+            <a:solidFill>
+              <a:schemeClr val="tx1">
+                <a:lumMod val="75000"/>
+                <a:lumOff val="25000"/>
+              </a:schemeClr>
+            </a:solidFill>
+          </a:ln>
+        </p:spPr>
+        <p:style>
+          <a:lnRef idx="1">
+            <a:schemeClr val="accent1"/>
+          </a:lnRef>
+          <a:fillRef idx="0">
+            <a:schemeClr val="accent1"/>
+          </a:fillRef>
+          <a:effectRef idx="0">
+            <a:schemeClr val="accent1"/>
+          </a:effectRef>
+          <a:fontRef idx="minor">
+            <a:schemeClr val="tx1"/>
+          </a:fontRef>
+        </p:style>
+      </p:cxnSp>
+      <p:sp>
+        <p:nvSpPr>
+          <p:cNvPr id="31" name="矩形 30"/>
+          <p:cNvSpPr/>
+          <p:nvPr/>
+        </p:nvSpPr>
+        <p:spPr>
+          <a:xfrm>
+            <a:off x="0" y="6572251"/>
+            <a:ext cx="12192000" cy="285750"/>
+          </a:xfrm>
+          <a:prstGeom prst="rect">
+            <a:avLst/>
+          </a:prstGeom>
+          <a:solidFill>
+            <a:srgbClr val="00B050">
+              <a:alpha val="80000"/>
+            </a:srgbClr>
+          </a:solidFill>
+          <a:ln>
+            <a:noFill/>
+          </a:ln>
+        </p:spPr>
+        <p:style>
+          <a:lnRef idx="2">
+            <a:schemeClr val="accent1">
+              <a:shade val="50000"/>
+            </a:schemeClr>
+          </a:lnRef>
+          <a:fillRef idx="1">
+            <a:schemeClr val="accent1"/>
+          </a:fillRef>
+          <a:effectRef idx="0">
+            <a:schemeClr val="accent1"/>
+          </a:effectRef>
+          <a:fontRef idx="minor">
+            <a:schemeClr val="lt1"/>
+          </a:fontRef>
+        </p:style>
+        <p:txBody>
+          <a:bodyPr rtlCol="0" anchor="ctr"/>
+          <a:lstStyle/>
+          <a:p>
+            <a:pPr algn="ctr"/>
+            <a:endParaRPr lang="zh-CN" altLang="en-US"/>
+          </a:p>
+        </p:txBody>
+      </p:sp>
+    </p:spTree>
+    <p:extLst>
+      <p:ext uri="{BB962C8B-B14F-4D97-AF65-F5344CB8AC3E}">
+        <p14:creationId xmlns:p14="http://schemas.microsoft.com/office/powerpoint/2010/main" val="3743595172"/>
+      </p:ext>
+    </p:extLst>
+  </p:cSld>
+  <p:clrMapOvr>
+    <a:masterClrMapping/>
+  </p:clrMapOvr>
+  <p:transition spd="med">
+    <p:pull/>
+  </p:transition>
+  <p:timing>
+    <p:tnLst>
+      <p:par>
+        <p:cTn id="1" dur="indefinite" restart="never" nodeType="tmRoot"/>
+      </p:par>
+    </p:tnLst>
+  </p:timing>
 </p:sld>
 </file>
 
